--- a/Retos/Reto 3/Reto 3 .pptx
+++ b/Retos/Reto 3/Reto 3 .pptx
@@ -24748,7 +24748,7 @@
         </p:nvSpPr>
         <p:spPr>
           <a:xfrm>
-            <a:off x="1598675" y="814375"/>
+            <a:off x="1615500" y="344350"/>
             <a:ext cx="5913000" cy="396300"/>
           </a:xfrm>
           <a:prstGeom prst="rect">
@@ -24793,7 +24793,7 @@
         </p:nvSpPr>
         <p:spPr>
           <a:xfrm>
-            <a:off x="720000" y="540000"/>
+            <a:off x="720000" y="219850"/>
             <a:ext cx="7704000" cy="520800"/>
           </a:xfrm>
           <a:prstGeom prst="rect">
@@ -24833,8 +24833,8 @@
         </p:nvSpPr>
         <p:spPr>
           <a:xfrm>
-            <a:off x="720000" y="1275100"/>
-            <a:ext cx="7704000" cy="3328500"/>
+            <a:off x="189000" y="961225"/>
+            <a:ext cx="8800500" cy="4182300"/>
           </a:xfrm>
           <a:prstGeom prst="rect">
             <a:avLst/>
@@ -24846,7 +24846,7 @@
           </a:bodyPr>
           <a:lstStyle/>
           <a:p>
-            <a:pPr indent="-330200" lvl="0" marL="457200" rtl="0" algn="l">
+            <a:pPr indent="-323850" lvl="0" marL="457200" rtl="0" algn="l">
               <a:spcBef>
                 <a:spcPts val="0"/>
               </a:spcBef>
@@ -24856,17 +24856,28 @@
               <a:buClr>
                 <a:schemeClr val="lt2"/>
               </a:buClr>
-              <a:buSzPts val="1600"/>
+              <a:buSzPts val="1500"/>
+              <a:buFont typeface="Arial"/>
               <a:buChar char="●"/>
             </a:pPr>
             <a:r>
-              <a:rPr lang="en-GB"/>
+              <a:rPr lang="en-GB" sz="1500">
+                <a:latin typeface="Arial"/>
+                <a:ea typeface="Arial"/>
+                <a:cs typeface="Arial"/>
+                <a:sym typeface="Arial"/>
+              </a:rPr>
               <a:t>[1] J. Gutiérrez Expósito, "Lotka-Volterra Prey-Predator model", Licenciatura, Universidad de la Laguna, 2017.</a:t>
             </a:r>
-            <a:endParaRPr/>
+            <a:endParaRPr sz="1500">
+              <a:latin typeface="Arial"/>
+              <a:ea typeface="Arial"/>
+              <a:cs typeface="Arial"/>
+              <a:sym typeface="Arial"/>
+            </a:endParaRPr>
           </a:p>
           <a:p>
-            <a:pPr indent="-330200" lvl="0" marL="457200" rtl="0" algn="l">
+            <a:pPr indent="-323850" lvl="0" marL="457200" rtl="0" algn="l">
               <a:spcBef>
                 <a:spcPts val="0"/>
               </a:spcBef>
@@ -24876,17 +24887,28 @@
               <a:buClr>
                 <a:schemeClr val="lt2"/>
               </a:buClr>
-              <a:buSzPts val="1600"/>
+              <a:buSzPts val="1500"/>
+              <a:buFont typeface="Arial"/>
               <a:buChar char="●"/>
             </a:pPr>
             <a:r>
-              <a:rPr lang="en-GB"/>
+              <a:rPr lang="en-GB" sz="1500">
+                <a:latin typeface="Arial"/>
+                <a:ea typeface="Arial"/>
+                <a:cs typeface="Arial"/>
+                <a:sym typeface="Arial"/>
+              </a:rPr>
               <a:t>[2] M. Begon, J. L. Harper y C. R. Townsend (2006). Ecology: From Individuals to Ecosystem (4ª ed.). United States: Blackwell</a:t>
             </a:r>
-            <a:endParaRPr/>
+            <a:endParaRPr sz="1500">
+              <a:latin typeface="Arial"/>
+              <a:ea typeface="Arial"/>
+              <a:cs typeface="Arial"/>
+              <a:sym typeface="Arial"/>
+            </a:endParaRPr>
           </a:p>
           <a:p>
-            <a:pPr indent="-304800" lvl="0" marL="457200" rtl="0" algn="l">
+            <a:pPr indent="-323850" lvl="0" marL="457200" rtl="0" algn="l">
               <a:spcBef>
                 <a:spcPts val="0"/>
               </a:spcBef>
@@ -24896,17 +24918,28 @@
               <a:buClr>
                 <a:schemeClr val="lt2"/>
               </a:buClr>
-              <a:buSzPts val="1200"/>
+              <a:buSzPts val="1500"/>
+              <a:buFont typeface="Arial"/>
               <a:buChar char="●"/>
             </a:pPr>
             <a:r>
-              <a:rPr lang="en-GB"/>
+              <a:rPr lang="en-GB" sz="1500">
+                <a:latin typeface="Arial"/>
+                <a:ea typeface="Arial"/>
+                <a:cs typeface="Arial"/>
+                <a:sym typeface="Arial"/>
+              </a:rPr>
               <a:t>[3] Miriam. K. A. Al-Moqbali, Nasser. S. Al-Salti and Ibrahim. M. Elmojtaba, "Prey–Predator Models with Variable Carrying Capacity", Matemathics, pp. 2 - 12, 2018.</a:t>
             </a:r>
-            <a:endParaRPr/>
+            <a:endParaRPr sz="1500">
+              <a:latin typeface="Arial"/>
+              <a:ea typeface="Arial"/>
+              <a:cs typeface="Arial"/>
+              <a:sym typeface="Arial"/>
+            </a:endParaRPr>
           </a:p>
           <a:p>
-            <a:pPr indent="-304800" lvl="0" marL="457200" rtl="0" algn="l">
+            <a:pPr indent="-323850" lvl="0" marL="457200" rtl="0" algn="l">
               <a:spcBef>
                 <a:spcPts val="0"/>
               </a:spcBef>
@@ -24916,22 +24949,172 @@
               <a:buClr>
                 <a:schemeClr val="lt2"/>
               </a:buClr>
-              <a:buSzPts val="1200"/>
+              <a:buSzPts val="1500"/>
+              <a:buFont typeface="Arial"/>
               <a:buChar char="●"/>
             </a:pPr>
             <a:r>
-              <a:rPr lang="en-GB"/>
+              <a:rPr lang="en-GB" sz="1500">
+                <a:latin typeface="Arial"/>
+                <a:ea typeface="Arial"/>
+                <a:cs typeface="Arial"/>
+                <a:sym typeface="Arial"/>
+              </a:rPr>
               <a:t>[4] </a:t>
             </a:r>
             <a:r>
-              <a:rPr lang="en-GB">
+              <a:rPr lang="en-GB" sz="1500">
                 <a:solidFill>
                   <a:srgbClr val="000000"/>
                 </a:solidFill>
+                <a:latin typeface="Arial"/>
+                <a:ea typeface="Arial"/>
+                <a:cs typeface="Arial"/>
+                <a:sym typeface="Arial"/>
               </a:rPr>
               <a:t>Fathoni, M. F., &amp; Wuryandari, A. I. (2015, December). Comparison between Euler, Heun, Runge-Kutta and Adams-Bashforth-Moulton integration methods in the particle dynamic simulation. In 2015 4th International Conference on Interactive Digital Media (ICIDM) (pp. 1-7)</a:t>
             </a:r>
-            <a:endParaRPr sz="2100"/>
+            <a:endParaRPr sz="1500">
+              <a:solidFill>
+                <a:srgbClr val="000000"/>
+              </a:solidFill>
+              <a:latin typeface="Arial"/>
+              <a:ea typeface="Arial"/>
+              <a:cs typeface="Arial"/>
+              <a:sym typeface="Arial"/>
+            </a:endParaRPr>
+          </a:p>
+          <a:p>
+            <a:pPr indent="-323850" lvl="0" marL="457200" rtl="0" algn="l">
+              <a:spcBef>
+                <a:spcPts val="0"/>
+              </a:spcBef>
+              <a:spcAft>
+                <a:spcPts val="0"/>
+              </a:spcAft>
+              <a:buClr>
+                <a:srgbClr val="000000"/>
+              </a:buClr>
+              <a:buSzPts val="1500"/>
+              <a:buFont typeface="Arial"/>
+              <a:buChar char="●"/>
+            </a:pPr>
+            <a:r>
+              <a:rPr lang="en-GB" sz="1500">
+                <a:solidFill>
+                  <a:srgbClr val="000000"/>
+                </a:solidFill>
+                <a:latin typeface="Arial"/>
+                <a:ea typeface="Arial"/>
+                <a:cs typeface="Arial"/>
+                <a:sym typeface="Arial"/>
+              </a:rPr>
+              <a:t>[5] LINCE IBÉRICO Y CONEJO: UNA RELACIÓN CLAVE EN LA CONSERVACIÓN DEL LINCE. Iberlinx.com. (2020). Retrieved 24 November 2020, from </a:t>
+            </a:r>
+            <a:r>
+              <a:rPr lang="en-GB" sz="1500" u="sng">
+                <a:solidFill>
+                  <a:schemeClr val="hlink"/>
+                </a:solidFill>
+                <a:latin typeface="Arial"/>
+                <a:ea typeface="Arial"/>
+                <a:cs typeface="Arial"/>
+                <a:sym typeface="Arial"/>
+                <a:hlinkClick r:id="rId3"/>
+              </a:rPr>
+              <a:t>http://www.iberlinx.com/esp/index.php?option=com_content&amp;view=article&amp;id=8:lince-iberico-e-coelho-bravo-uma-relacao-chave-na-conservacao-do-lince&amp;catid=6:artigo&amp;Itemid=9</a:t>
+            </a:r>
+            <a:r>
+              <a:rPr lang="en-GB" sz="1500">
+                <a:solidFill>
+                  <a:srgbClr val="000000"/>
+                </a:solidFill>
+                <a:latin typeface="Arial"/>
+                <a:ea typeface="Arial"/>
+                <a:cs typeface="Arial"/>
+                <a:sym typeface="Arial"/>
+              </a:rPr>
+              <a:t>.</a:t>
+            </a:r>
+            <a:endParaRPr sz="1500">
+              <a:solidFill>
+                <a:srgbClr val="000000"/>
+              </a:solidFill>
+              <a:latin typeface="Arial"/>
+              <a:ea typeface="Arial"/>
+              <a:cs typeface="Arial"/>
+              <a:sym typeface="Arial"/>
+            </a:endParaRPr>
+          </a:p>
+          <a:p>
+            <a:pPr indent="-323850" lvl="0" marL="457200" rtl="0" algn="l">
+              <a:spcBef>
+                <a:spcPts val="0"/>
+              </a:spcBef>
+              <a:spcAft>
+                <a:spcPts val="0"/>
+              </a:spcAft>
+              <a:buClr>
+                <a:srgbClr val="000000"/>
+              </a:buClr>
+              <a:buSzPts val="1500"/>
+              <a:buFont typeface="Arial"/>
+              <a:buChar char="●"/>
+            </a:pPr>
+            <a:r>
+              <a:rPr lang="en-GB" sz="1500">
+                <a:solidFill>
+                  <a:srgbClr val="000000"/>
+                </a:solidFill>
+                <a:highlight>
+                  <a:srgbClr val="FFFFFF"/>
+                </a:highlight>
+                <a:latin typeface="Arial"/>
+                <a:ea typeface="Arial"/>
+                <a:cs typeface="Arial"/>
+                <a:sym typeface="Arial"/>
+              </a:rPr>
+              <a:t>[6] Á. Sáez, "Ecuaciones de Lotka-Volterra: modelo presa depredador – Pybonacci", </a:t>
+            </a:r>
+            <a:r>
+              <a:rPr i="1" lang="en-GB" sz="1500">
+                <a:solidFill>
+                  <a:srgbClr val="000000"/>
+                </a:solidFill>
+                <a:highlight>
+                  <a:srgbClr val="FFFFFF"/>
+                </a:highlight>
+                <a:latin typeface="Arial"/>
+                <a:ea typeface="Arial"/>
+                <a:cs typeface="Arial"/>
+                <a:sym typeface="Arial"/>
+              </a:rPr>
+              <a:t>Pybonacci.org</a:t>
+            </a:r>
+            <a:r>
+              <a:rPr lang="en-GB" sz="1500">
+                <a:solidFill>
+                  <a:srgbClr val="000000"/>
+                </a:solidFill>
+                <a:highlight>
+                  <a:srgbClr val="FFFFFF"/>
+                </a:highlight>
+                <a:latin typeface="Arial"/>
+                <a:ea typeface="Arial"/>
+                <a:cs typeface="Arial"/>
+                <a:sym typeface="Arial"/>
+              </a:rPr>
+              <a:t>, 2020. [Online]. Available: https://pybonacci.org/2015/01/05/ecuaciones-de-lotka-volterra-modelo-presa-depredador/. [Accessed: 26- Nov- 2020].</a:t>
+            </a:r>
+            <a:endParaRPr sz="1500">
+              <a:solidFill>
+                <a:srgbClr val="000000"/>
+              </a:solidFill>
+              <a:latin typeface="Arial"/>
+              <a:ea typeface="Arial"/>
+              <a:cs typeface="Arial"/>
+              <a:sym typeface="Arial"/>
+            </a:endParaRPr>
           </a:p>
         </p:txBody>
       </p:sp>
